--- a/DSC530_Final_Project_Tertiary_Government_Spending_Analysis_Alan_Danque.pptx
+++ b/DSC530_Final_Project_Tertiary_Government_Spending_Analysis_Alan_Danque.pptx
@@ -29,13 +29,13 @@
     <p:sldId id="284" r:id="rId20"/>
     <p:sldId id="274" r:id="rId21"/>
     <p:sldId id="275" r:id="rId22"/>
-    <p:sldId id="278" r:id="rId23"/>
-    <p:sldId id="277" r:id="rId24"/>
-    <p:sldId id="279" r:id="rId25"/>
-    <p:sldId id="280" r:id="rId26"/>
-    <p:sldId id="283" r:id="rId27"/>
-    <p:sldId id="285" r:id="rId28"/>
-    <p:sldId id="286" r:id="rId29"/>
+    <p:sldId id="279" r:id="rId23"/>
+    <p:sldId id="287" r:id="rId24"/>
+    <p:sldId id="280" r:id="rId25"/>
+    <p:sldId id="283" r:id="rId26"/>
+    <p:sldId id="285" r:id="rId27"/>
+    <p:sldId id="286" r:id="rId28"/>
+    <p:sldId id="277" r:id="rId29"/>
     <p:sldId id="282" r:id="rId30"/>
   </p:sldIdLst>
   <p:sldSz cx="12192000" cy="6858000"/>
@@ -6663,7 +6663,7 @@
           <p:cNvPr id="2" name="Title 1">
             <a:extLst>
               <a:ext uri="{FF2B5EF4-FFF2-40B4-BE49-F238E27FC236}">
-                <a16:creationId xmlns:a16="http://schemas.microsoft.com/office/drawing/2014/main" id="{9E2703F4-C1A3-3049-807D-6FB02A25DDE6}"/>
+                <a16:creationId xmlns:a16="http://schemas.microsoft.com/office/drawing/2014/main" id="{DB106940-06A2-5A4F-95C7-AD18FC0361D5}"/>
               </a:ext>
             </a:extLst>
           </p:cNvPr>
@@ -6674,44 +6674,67 @@
             <p:ph type="title"/>
           </p:nvPr>
         </p:nvSpPr>
-        <p:spPr/>
-        <p:txBody>
-          <a:bodyPr/>
-          <a:lstStyle/>
-          <a:p>
-            <a:endParaRPr lang="en-US"/>
-          </a:p>
-        </p:txBody>
-      </p:sp>
-      <p:sp>
-        <p:nvSpPr>
-          <p:cNvPr id="6" name="Content Placeholder 5">
-            <a:extLst>
-              <a:ext uri="{FF2B5EF4-FFF2-40B4-BE49-F238E27FC236}">
-                <a16:creationId xmlns:a16="http://schemas.microsoft.com/office/drawing/2014/main" id="{634E2F54-D655-8548-8EA7-A39494E53A8D}"/>
-              </a:ext>
-            </a:extLst>
-          </p:cNvPr>
-          <p:cNvSpPr>
-            <a:spLocks noGrp="1"/>
-          </p:cNvSpPr>
+        <p:spPr>
+          <a:xfrm>
+            <a:off x="838200" y="365125"/>
+            <a:ext cx="10515600" cy="662009"/>
+          </a:xfrm>
+        </p:spPr>
+        <p:txBody>
+          <a:bodyPr>
+            <a:normAutofit/>
+          </a:bodyPr>
+          <a:lstStyle/>
+          <a:p>
+            <a:pPr algn="ctr"/>
+            <a:r>
+              <a:rPr lang="en-US" sz="2400" dirty="0"/>
+              <a:t>Scatter plot of the Correlation of  GDP and </a:t>
+            </a:r>
+            <a:r>
+              <a:rPr lang="en-US" sz="2400" dirty="0" err="1"/>
+              <a:t>TertiaryExpenditures</a:t>
+            </a:r>
+            <a:endParaRPr lang="en-US" sz="2400" dirty="0"/>
+          </a:p>
+        </p:txBody>
+      </p:sp>
+      <p:pic>
+        <p:nvPicPr>
+          <p:cNvPr id="4" name="Content Placeholder 3">
+            <a:extLst>
+              <a:ext uri="{FF2B5EF4-FFF2-40B4-BE49-F238E27FC236}">
+                <a16:creationId xmlns:a16="http://schemas.microsoft.com/office/drawing/2014/main" id="{AEEEF1EA-3EF7-844F-A73A-8702B59466F4}"/>
+              </a:ext>
+            </a:extLst>
+          </p:cNvPr>
+          <p:cNvPicPr>
+            <a:picLocks noGrp="1" noChangeAspect="1"/>
+          </p:cNvPicPr>
           <p:nvPr>
             <p:ph idx="1"/>
           </p:nvPr>
-        </p:nvSpPr>
-        <p:spPr/>
-        <p:txBody>
-          <a:bodyPr/>
-          <a:lstStyle/>
-          <a:p>
-            <a:endParaRPr lang="en-US" dirty="0"/>
-          </a:p>
-        </p:txBody>
-      </p:sp>
+        </p:nvPicPr>
+        <p:blipFill>
+          <a:blip r:embed="rId2"/>
+          <a:stretch>
+            <a:fillRect/>
+          </a:stretch>
+        </p:blipFill>
+        <p:spPr>
+          <a:xfrm>
+            <a:off x="2242159" y="1027134"/>
+            <a:ext cx="7486527" cy="5159888"/>
+          </a:xfrm>
+          <a:prstGeom prst="rect">
+            <a:avLst/>
+          </a:prstGeom>
+        </p:spPr>
+      </p:pic>
     </p:spTree>
     <p:extLst>
       <p:ext uri="{BB962C8B-B14F-4D97-AF65-F5344CB8AC3E}">
-        <p14:creationId xmlns:p14="http://schemas.microsoft.com/office/powerpoint/2010/main" val="2134212308"/>
+        <p14:creationId xmlns:p14="http://schemas.microsoft.com/office/powerpoint/2010/main" val="2799667362"/>
       </p:ext>
     </p:extLst>
   </p:cSld>
@@ -6743,7 +6766,7 @@
           <p:cNvPr id="2" name="Title 1">
             <a:extLst>
               <a:ext uri="{FF2B5EF4-FFF2-40B4-BE49-F238E27FC236}">
-                <a16:creationId xmlns:a16="http://schemas.microsoft.com/office/drawing/2014/main" id="{FF787BDA-26F1-AD41-92B4-D2AD4042F0E8}"/>
+                <a16:creationId xmlns:a16="http://schemas.microsoft.com/office/drawing/2014/main" id="{DB106940-06A2-5A4F-95C7-AD18FC0361D5}"/>
               </a:ext>
             </a:extLst>
           </p:cNvPr>
@@ -6754,26 +6777,50 @@
             <p:ph type="title"/>
           </p:nvPr>
         </p:nvSpPr>
-        <p:spPr/>
+        <p:spPr>
+          <a:xfrm>
+            <a:off x="838200" y="365125"/>
+            <a:ext cx="10515600" cy="1660899"/>
+          </a:xfrm>
+        </p:spPr>
         <p:txBody>
           <a:bodyPr>
-            <a:normAutofit/>
+            <a:normAutofit fontScale="90000"/>
           </a:bodyPr>
           <a:lstStyle/>
           <a:p>
             <a:r>
               <a:rPr lang="en-US" dirty="0"/>
-              <a:t>Top 10 Countries</a:t>
+              <a:t>Hypothesis Testing: GDP and </a:t>
+            </a:r>
+            <a:r>
+              <a:rPr lang="en-US" dirty="0" err="1"/>
+              <a:t>TertiaryExpenditures</a:t>
+            </a:r>
+            <a:br>
+              <a:rPr lang="en-US" dirty="0"/>
+            </a:br>
+            <a:r>
+              <a:rPr lang="en-US" dirty="0"/>
+              <a:t>Using Correlation, Covariance, Pearson’s and </a:t>
+            </a:r>
+            <a:r>
+              <a:rPr lang="en-US" dirty="0" err="1"/>
+              <a:t>Spearmans</a:t>
+            </a:r>
+            <a:r>
+              <a:rPr lang="en-US" dirty="0"/>
+              <a:t> R Test.</a:t>
             </a:r>
           </a:p>
         </p:txBody>
       </p:sp>
       <p:pic>
         <p:nvPicPr>
-          <p:cNvPr id="8" name="Content Placeholder 7">
-            <a:extLst>
-              <a:ext uri="{FF2B5EF4-FFF2-40B4-BE49-F238E27FC236}">
-                <a16:creationId xmlns:a16="http://schemas.microsoft.com/office/drawing/2014/main" id="{16B998A3-8FFE-5548-8BB3-E02F880138D1}"/>
+          <p:cNvPr id="4" name="Content Placeholder 3">
+            <a:extLst>
+              <a:ext uri="{FF2B5EF4-FFF2-40B4-BE49-F238E27FC236}">
+                <a16:creationId xmlns:a16="http://schemas.microsoft.com/office/drawing/2014/main" id="{C6F6E6C7-A399-2C41-B361-FFCF305D66EE}"/>
               </a:ext>
             </a:extLst>
           </p:cNvPr>
@@ -6792,8 +6839,8 @@
         </p:blipFill>
         <p:spPr>
           <a:xfrm>
-            <a:off x="3080723" y="1375051"/>
-            <a:ext cx="5519938" cy="5377258"/>
+            <a:off x="1963802" y="2479791"/>
+            <a:ext cx="8264395" cy="3020779"/>
           </a:xfrm>
           <a:prstGeom prst="rect">
             <a:avLst/>
@@ -6803,7 +6850,7 @@
     </p:spTree>
     <p:extLst>
       <p:ext uri="{BB962C8B-B14F-4D97-AF65-F5344CB8AC3E}">
-        <p14:creationId xmlns:p14="http://schemas.microsoft.com/office/powerpoint/2010/main" val="163618212"/>
+        <p14:creationId xmlns:p14="http://schemas.microsoft.com/office/powerpoint/2010/main" val="1774559803"/>
       </p:ext>
     </p:extLst>
   </p:cSld>
@@ -6814,89 +6861,6 @@
 </file>
 
 <file path=ppt/slides/slide24.xml><?xml version="1.0" encoding="utf-8"?>
-<p:sld xmlns:a="http://schemas.openxmlformats.org/drawingml/2006/main" xmlns:r="http://schemas.openxmlformats.org/officeDocument/2006/relationships" xmlns:p="http://schemas.openxmlformats.org/presentationml/2006/main">
-  <p:cSld>
-    <p:spTree>
-      <p:nvGrpSpPr>
-        <p:cNvPr id="1" name=""/>
-        <p:cNvGrpSpPr/>
-        <p:nvPr/>
-      </p:nvGrpSpPr>
-      <p:grpSpPr>
-        <a:xfrm>
-          <a:off x="0" y="0"/>
-          <a:ext cx="0" cy="0"/>
-          <a:chOff x="0" y="0"/>
-          <a:chExt cx="0" cy="0"/>
-        </a:xfrm>
-      </p:grpSpPr>
-      <p:sp>
-        <p:nvSpPr>
-          <p:cNvPr id="2" name="Title 1">
-            <a:extLst>
-              <a:ext uri="{FF2B5EF4-FFF2-40B4-BE49-F238E27FC236}">
-                <a16:creationId xmlns:a16="http://schemas.microsoft.com/office/drawing/2014/main" id="{DB106940-06A2-5A4F-95C7-AD18FC0361D5}"/>
-              </a:ext>
-            </a:extLst>
-          </p:cNvPr>
-          <p:cNvSpPr>
-            <a:spLocks noGrp="1"/>
-          </p:cNvSpPr>
-          <p:nvPr>
-            <p:ph type="title"/>
-          </p:nvPr>
-        </p:nvSpPr>
-        <p:spPr/>
-        <p:txBody>
-          <a:bodyPr/>
-          <a:lstStyle/>
-          <a:p>
-            <a:r>
-              <a:rPr lang="en-US" dirty="0"/>
-              <a:t>Conduct a test on your hypothesis using one of the methods covered in Chapter 9.</a:t>
-            </a:r>
-          </a:p>
-        </p:txBody>
-      </p:sp>
-      <p:sp>
-        <p:nvSpPr>
-          <p:cNvPr id="3" name="Content Placeholder 2">
-            <a:extLst>
-              <a:ext uri="{FF2B5EF4-FFF2-40B4-BE49-F238E27FC236}">
-                <a16:creationId xmlns:a16="http://schemas.microsoft.com/office/drawing/2014/main" id="{A174C604-F554-7745-8A12-DCE304814B79}"/>
-              </a:ext>
-            </a:extLst>
-          </p:cNvPr>
-          <p:cNvSpPr>
-            <a:spLocks noGrp="1"/>
-          </p:cNvSpPr>
-          <p:nvPr>
-            <p:ph idx="1"/>
-          </p:nvPr>
-        </p:nvSpPr>
-        <p:spPr/>
-        <p:txBody>
-          <a:bodyPr/>
-          <a:lstStyle/>
-          <a:p>
-            <a:endParaRPr lang="en-US"/>
-          </a:p>
-        </p:txBody>
-      </p:sp>
-    </p:spTree>
-    <p:extLst>
-      <p:ext uri="{BB962C8B-B14F-4D97-AF65-F5344CB8AC3E}">
-        <p14:creationId xmlns:p14="http://schemas.microsoft.com/office/powerpoint/2010/main" val="2799667362"/>
-      </p:ext>
-    </p:extLst>
-  </p:cSld>
-  <p:clrMapOvr>
-    <a:masterClrMapping/>
-  </p:clrMapOvr>
-</p:sld>
-</file>
-
-<file path=ppt/slides/slide25.xml><?xml version="1.0" encoding="utf-8"?>
 <p:sld xmlns:a="http://schemas.openxmlformats.org/drawingml/2006/main" xmlns:r="http://schemas.openxmlformats.org/officeDocument/2006/relationships" xmlns:p="http://schemas.openxmlformats.org/presentationml/2006/main">
   <p:cSld>
     <p:spTree>
@@ -7032,6 +6996,114 @@
 </p:sld>
 </file>
 
+<file path=ppt/slides/slide25.xml><?xml version="1.0" encoding="utf-8"?>
+<p:sld xmlns:a="http://schemas.openxmlformats.org/drawingml/2006/main" xmlns:r="http://schemas.openxmlformats.org/officeDocument/2006/relationships" xmlns:p="http://schemas.openxmlformats.org/presentationml/2006/main">
+  <p:cSld>
+    <p:spTree>
+      <p:nvGrpSpPr>
+        <p:cNvPr id="1" name=""/>
+        <p:cNvGrpSpPr/>
+        <p:nvPr/>
+      </p:nvGrpSpPr>
+      <p:grpSpPr>
+        <a:xfrm>
+          <a:off x="0" y="0"/>
+          <a:ext cx="0" cy="0"/>
+          <a:chOff x="0" y="0"/>
+          <a:chExt cx="0" cy="0"/>
+        </a:xfrm>
+      </p:grpSpPr>
+      <p:sp>
+        <p:nvSpPr>
+          <p:cNvPr id="2" name="Title 1">
+            <a:extLst>
+              <a:ext uri="{FF2B5EF4-FFF2-40B4-BE49-F238E27FC236}">
+                <a16:creationId xmlns:a16="http://schemas.microsoft.com/office/drawing/2014/main" id="{32D56F2C-07EB-0844-83A1-519E6C8A8D15}"/>
+              </a:ext>
+            </a:extLst>
+          </p:cNvPr>
+          <p:cNvSpPr>
+            <a:spLocks noGrp="1"/>
+          </p:cNvSpPr>
+          <p:nvPr>
+            <p:ph type="title"/>
+          </p:nvPr>
+        </p:nvSpPr>
+        <p:spPr>
+          <a:xfrm>
+            <a:off x="838200" y="681037"/>
+            <a:ext cx="10515600" cy="1325563"/>
+          </a:xfrm>
+        </p:spPr>
+        <p:txBody>
+          <a:bodyPr/>
+          <a:lstStyle/>
+          <a:p>
+            <a:r>
+              <a:rPr lang="en-US" dirty="0"/>
+              <a:t>Conclusions:</a:t>
+            </a:r>
+          </a:p>
+        </p:txBody>
+      </p:sp>
+      <p:sp>
+        <p:nvSpPr>
+          <p:cNvPr id="3" name="Content Placeholder 2">
+            <a:extLst>
+              <a:ext uri="{FF2B5EF4-FFF2-40B4-BE49-F238E27FC236}">
+                <a16:creationId xmlns:a16="http://schemas.microsoft.com/office/drawing/2014/main" id="{A6EEE2C8-8795-C74B-A1F2-2C3D95787FF8}"/>
+              </a:ext>
+            </a:extLst>
+          </p:cNvPr>
+          <p:cNvSpPr>
+            <a:spLocks noGrp="1"/>
+          </p:cNvSpPr>
+          <p:nvPr>
+            <p:ph idx="1"/>
+          </p:nvPr>
+        </p:nvSpPr>
+        <p:spPr>
+          <a:xfrm>
+            <a:off x="838200" y="2292263"/>
+            <a:ext cx="10515600" cy="3884700"/>
+          </a:xfrm>
+        </p:spPr>
+        <p:txBody>
+          <a:bodyPr/>
+          <a:lstStyle/>
+          <a:p>
+            <a:r>
+              <a:rPr lang="en-US" sz="3200" dirty="0"/>
+              <a:t>My tests find that there is a significant correlation between a countries GDP and its spending on Tertiary Education.</a:t>
+            </a:r>
+          </a:p>
+          <a:p>
+            <a:r>
+              <a:rPr lang="en-US" sz="3200" dirty="0"/>
+              <a:t>It does not rule out the point that there may be other possibly better indicative variables that contribute to a country’s GDP.</a:t>
+            </a:r>
+          </a:p>
+          <a:p>
+            <a:pPr marL="0" indent="0">
+              <a:buNone/>
+            </a:pPr>
+            <a:endParaRPr lang="en-US" dirty="0"/>
+          </a:p>
+        </p:txBody>
+      </p:sp>
+    </p:spTree>
+    <p:extLst>
+      <p:ext uri="{BB962C8B-B14F-4D97-AF65-F5344CB8AC3E}">
+        <p14:creationId xmlns:p14="http://schemas.microsoft.com/office/powerpoint/2010/main" val="858533964"/>
+      </p:ext>
+    </p:extLst>
+  </p:cSld>
+  <p:clrMapOvr>
+    <a:masterClrMapping/>
+  </p:clrMapOvr>
+</p:sld>
+</file>
+
 <file path=ppt/slides/slide26.xml><?xml version="1.0" encoding="utf-8"?>
 <p:sld xmlns:a="http://schemas.openxmlformats.org/drawingml/2006/main" xmlns:r="http://schemas.openxmlformats.org/officeDocument/2006/relationships" xmlns:p="http://schemas.openxmlformats.org/presentationml/2006/main">
   <p:cSld>
@@ -7049,12 +7121,42 @@
           <a:chExt cx="0" cy="0"/>
         </a:xfrm>
       </p:grpSpPr>
-      <p:sp>
-        <p:nvSpPr>
-          <p:cNvPr id="2" name="Title 1">
-            <a:extLst>
-              <a:ext uri="{FF2B5EF4-FFF2-40B4-BE49-F238E27FC236}">
-                <a16:creationId xmlns:a16="http://schemas.microsoft.com/office/drawing/2014/main" id="{32D56F2C-07EB-0844-83A1-519E6C8A8D15}"/>
+      <p:pic>
+        <p:nvPicPr>
+          <p:cNvPr id="7" name="Picture 6">
+            <a:extLst>
+              <a:ext uri="{FF2B5EF4-FFF2-40B4-BE49-F238E27FC236}">
+                <a16:creationId xmlns:a16="http://schemas.microsoft.com/office/drawing/2014/main" id="{55CF9803-B67C-F041-B015-03B8C7837138}"/>
+              </a:ext>
+            </a:extLst>
+          </p:cNvPr>
+          <p:cNvPicPr>
+            <a:picLocks noChangeAspect="1"/>
+          </p:cNvPicPr>
+          <p:nvPr/>
+        </p:nvPicPr>
+        <p:blipFill>
+          <a:blip r:embed="rId2"/>
+          <a:stretch>
+            <a:fillRect/>
+          </a:stretch>
+        </p:blipFill>
+        <p:spPr>
+          <a:xfrm>
+            <a:off x="3016624" y="501650"/>
+            <a:ext cx="8991600" cy="5854700"/>
+          </a:xfrm>
+          <a:prstGeom prst="rect">
+            <a:avLst/>
+          </a:prstGeom>
+        </p:spPr>
+      </p:pic>
+      <p:sp>
+        <p:nvSpPr>
+          <p:cNvPr id="11" name="Title 1">
+            <a:extLst>
+              <a:ext uri="{FF2B5EF4-FFF2-40B4-BE49-F238E27FC236}">
+                <a16:creationId xmlns:a16="http://schemas.microsoft.com/office/drawing/2014/main" id="{23A091DA-ED4E-AA44-9E1F-CD0BDB8DDF43}"/>
               </a:ext>
             </a:extLst>
           </p:cNvPr>
@@ -7065,47 +7167,37 @@
             <p:ph type="title"/>
           </p:nvPr>
         </p:nvSpPr>
-        <p:spPr/>
-        <p:txBody>
-          <a:bodyPr/>
-          <a:lstStyle/>
-          <a:p>
-            <a:r>
-              <a:rPr lang="en-US" dirty="0"/>
-              <a:t>Conclusions:</a:t>
-            </a:r>
-          </a:p>
-        </p:txBody>
-      </p:sp>
-      <p:sp>
-        <p:nvSpPr>
-          <p:cNvPr id="3" name="Content Placeholder 2">
-            <a:extLst>
-              <a:ext uri="{FF2B5EF4-FFF2-40B4-BE49-F238E27FC236}">
-                <a16:creationId xmlns:a16="http://schemas.microsoft.com/office/drawing/2014/main" id="{A6EEE2C8-8795-C74B-A1F2-2C3D95787FF8}"/>
-              </a:ext>
-            </a:extLst>
-          </p:cNvPr>
-          <p:cNvSpPr>
-            <a:spLocks noGrp="1"/>
-          </p:cNvSpPr>
-          <p:nvPr>
-            <p:ph idx="1"/>
-          </p:nvPr>
-        </p:nvSpPr>
-        <p:spPr/>
-        <p:txBody>
-          <a:bodyPr/>
-          <a:lstStyle/>
-          <a:p>
-            <a:endParaRPr lang="en-US" dirty="0"/>
+        <p:spPr>
+          <a:xfrm>
+            <a:off x="158004" y="365125"/>
+            <a:ext cx="2748034" cy="3267423"/>
+          </a:xfrm>
+        </p:spPr>
+        <p:txBody>
+          <a:bodyPr>
+            <a:normAutofit/>
+          </a:bodyPr>
+          <a:lstStyle/>
+          <a:p>
+            <a:r>
+              <a:rPr lang="en-US" sz="2800" dirty="0"/>
+              <a:t>In review of the data available it appears to reflect that GDP is correlated to </a:t>
+            </a:r>
+            <a:r>
+              <a:rPr lang="en-US" sz="2800" dirty="0" err="1"/>
+              <a:t>TertiaryExpenditure</a:t>
+            </a:r>
+            <a:r>
+              <a:rPr lang="en-US" sz="2800" dirty="0"/>
+              <a:t>.</a:t>
+            </a:r>
           </a:p>
         </p:txBody>
       </p:sp>
     </p:spTree>
     <p:extLst>
       <p:ext uri="{BB962C8B-B14F-4D97-AF65-F5344CB8AC3E}">
-        <p14:creationId xmlns:p14="http://schemas.microsoft.com/office/powerpoint/2010/main" val="858533964"/>
+        <p14:creationId xmlns:p14="http://schemas.microsoft.com/office/powerpoint/2010/main" val="1902715992"/>
       </p:ext>
     </p:extLst>
   </p:cSld>
@@ -7134,10 +7226,10 @@
       </p:grpSpPr>
       <p:pic>
         <p:nvPicPr>
-          <p:cNvPr id="7" name="Picture 6">
-            <a:extLst>
-              <a:ext uri="{FF2B5EF4-FFF2-40B4-BE49-F238E27FC236}">
-                <a16:creationId xmlns:a16="http://schemas.microsoft.com/office/drawing/2014/main" id="{55CF9803-B67C-F041-B015-03B8C7837138}"/>
+          <p:cNvPr id="4" name="Picture 3">
+            <a:extLst>
+              <a:ext uri="{FF2B5EF4-FFF2-40B4-BE49-F238E27FC236}">
+                <a16:creationId xmlns:a16="http://schemas.microsoft.com/office/drawing/2014/main" id="{6082EBE4-119D-B246-9B71-D5C9FA136622}"/>
               </a:ext>
             </a:extLst>
           </p:cNvPr>
@@ -7154,8 +7246,8 @@
         </p:blipFill>
         <p:spPr>
           <a:xfrm>
-            <a:off x="3016624" y="501650"/>
-            <a:ext cx="8991600" cy="5854700"/>
+            <a:off x="2796987" y="711200"/>
+            <a:ext cx="9237009" cy="5435600"/>
           </a:xfrm>
           <a:prstGeom prst="rect">
             <a:avLst/>
@@ -7164,10 +7256,10 @@
       </p:pic>
       <p:sp>
         <p:nvSpPr>
-          <p:cNvPr id="11" name="Title 1">
-            <a:extLst>
-              <a:ext uri="{FF2B5EF4-FFF2-40B4-BE49-F238E27FC236}">
-                <a16:creationId xmlns:a16="http://schemas.microsoft.com/office/drawing/2014/main" id="{23A091DA-ED4E-AA44-9E1F-CD0BDB8DDF43}"/>
+          <p:cNvPr id="5" name="Title 1">
+            <a:extLst>
+              <a:ext uri="{FF2B5EF4-FFF2-40B4-BE49-F238E27FC236}">
+                <a16:creationId xmlns:a16="http://schemas.microsoft.com/office/drawing/2014/main" id="{1CADF7BA-12FD-6046-85A5-5D9B56BF7BC2}"/>
               </a:ext>
             </a:extLst>
           </p:cNvPr>
@@ -7181,7 +7273,7 @@
         <p:spPr>
           <a:xfrm>
             <a:off x="158004" y="365125"/>
-            <a:ext cx="2748034" cy="3267423"/>
+            <a:ext cx="2638983" cy="3755938"/>
           </a:xfrm>
         </p:spPr>
         <p:txBody>
@@ -7208,7 +7300,7 @@
     </p:spTree>
     <p:extLst>
       <p:ext uri="{BB962C8B-B14F-4D97-AF65-F5344CB8AC3E}">
-        <p14:creationId xmlns:p14="http://schemas.microsoft.com/office/powerpoint/2010/main" val="1902715992"/>
+        <p14:creationId xmlns:p14="http://schemas.microsoft.com/office/powerpoint/2010/main" val="4014520710"/>
       </p:ext>
     </p:extLst>
   </p:cSld>
@@ -7235,19 +7327,51 @@
           <a:chExt cx="0" cy="0"/>
         </a:xfrm>
       </p:grpSpPr>
+      <p:sp>
+        <p:nvSpPr>
+          <p:cNvPr id="2" name="Title 1">
+            <a:extLst>
+              <a:ext uri="{FF2B5EF4-FFF2-40B4-BE49-F238E27FC236}">
+                <a16:creationId xmlns:a16="http://schemas.microsoft.com/office/drawing/2014/main" id="{FF787BDA-26F1-AD41-92B4-D2AD4042F0E8}"/>
+              </a:ext>
+            </a:extLst>
+          </p:cNvPr>
+          <p:cNvSpPr>
+            <a:spLocks noGrp="1"/>
+          </p:cNvSpPr>
+          <p:nvPr>
+            <p:ph type="title"/>
+          </p:nvPr>
+        </p:nvSpPr>
+        <p:spPr/>
+        <p:txBody>
+          <a:bodyPr>
+            <a:normAutofit/>
+          </a:bodyPr>
+          <a:lstStyle/>
+          <a:p>
+            <a:r>
+              <a:rPr lang="en-US" dirty="0"/>
+              <a:t>Top 10 Countries</a:t>
+            </a:r>
+          </a:p>
+        </p:txBody>
+      </p:sp>
       <p:pic>
         <p:nvPicPr>
-          <p:cNvPr id="4" name="Picture 3">
-            <a:extLst>
-              <a:ext uri="{FF2B5EF4-FFF2-40B4-BE49-F238E27FC236}">
-                <a16:creationId xmlns:a16="http://schemas.microsoft.com/office/drawing/2014/main" id="{6082EBE4-119D-B246-9B71-D5C9FA136622}"/>
+          <p:cNvPr id="8" name="Content Placeholder 7">
+            <a:extLst>
+              <a:ext uri="{FF2B5EF4-FFF2-40B4-BE49-F238E27FC236}">
+                <a16:creationId xmlns:a16="http://schemas.microsoft.com/office/drawing/2014/main" id="{16B998A3-8FFE-5548-8BB3-E02F880138D1}"/>
               </a:ext>
             </a:extLst>
           </p:cNvPr>
           <p:cNvPicPr>
-            <a:picLocks noChangeAspect="1"/>
+            <a:picLocks noGrp="1" noChangeAspect="1"/>
           </p:cNvPicPr>
-          <p:nvPr/>
+          <p:nvPr>
+            <p:ph idx="1"/>
+          </p:nvPr>
         </p:nvPicPr>
         <p:blipFill>
           <a:blip r:embed="rId2"/>
@@ -7257,61 +7381,18 @@
         </p:blipFill>
         <p:spPr>
           <a:xfrm>
-            <a:off x="2796987" y="711200"/>
-            <a:ext cx="9237009" cy="5435600"/>
+            <a:off x="3080723" y="1375051"/>
+            <a:ext cx="5519938" cy="5377258"/>
           </a:xfrm>
           <a:prstGeom prst="rect">
             <a:avLst/>
           </a:prstGeom>
         </p:spPr>
       </p:pic>
-      <p:sp>
-        <p:nvSpPr>
-          <p:cNvPr id="5" name="Title 1">
-            <a:extLst>
-              <a:ext uri="{FF2B5EF4-FFF2-40B4-BE49-F238E27FC236}">
-                <a16:creationId xmlns:a16="http://schemas.microsoft.com/office/drawing/2014/main" id="{1CADF7BA-12FD-6046-85A5-5D9B56BF7BC2}"/>
-              </a:ext>
-            </a:extLst>
-          </p:cNvPr>
-          <p:cNvSpPr>
-            <a:spLocks noGrp="1"/>
-          </p:cNvSpPr>
-          <p:nvPr>
-            <p:ph type="title"/>
-          </p:nvPr>
-        </p:nvSpPr>
-        <p:spPr>
-          <a:xfrm>
-            <a:off x="158004" y="365125"/>
-            <a:ext cx="2638983" cy="3755938"/>
-          </a:xfrm>
-        </p:spPr>
-        <p:txBody>
-          <a:bodyPr>
-            <a:normAutofit/>
-          </a:bodyPr>
-          <a:lstStyle/>
-          <a:p>
-            <a:r>
-              <a:rPr lang="en-US" sz="2800" dirty="0"/>
-              <a:t>In review of the data available it appears to reflect that GDP is correlated to </a:t>
-            </a:r>
-            <a:r>
-              <a:rPr lang="en-US" sz="2800" dirty="0" err="1"/>
-              <a:t>TertiaryExpenditure</a:t>
-            </a:r>
-            <a:r>
-              <a:rPr lang="en-US" sz="2800" dirty="0"/>
-              <a:t>.</a:t>
-            </a:r>
-          </a:p>
-        </p:txBody>
-      </p:sp>
     </p:spTree>
     <p:extLst>
       <p:ext uri="{BB962C8B-B14F-4D97-AF65-F5344CB8AC3E}">
-        <p14:creationId xmlns:p14="http://schemas.microsoft.com/office/powerpoint/2010/main" val="4014520710"/>
+        <p14:creationId xmlns:p14="http://schemas.microsoft.com/office/powerpoint/2010/main" val="163618212"/>
       </p:ext>
     </p:extLst>
   </p:cSld>

--- a/DSC530_Final_Project_Tertiary_Government_Spending_Analysis_Alan_Danque.pptx
+++ b/DSC530_Final_Project_Tertiary_Government_Spending_Analysis_Alan_Danque.pptx
@@ -251,7 +251,7 @@
           <a:p>
             <a:fld id="{76051A14-CBD7-7A49-853D-4C5E532F94AB}" type="datetimeFigureOut">
               <a:rPr lang="en-US" smtClean="0"/>
-              <a:t>10/26/19</a:t>
+              <a:t>11/5/19</a:t>
             </a:fld>
             <a:endParaRPr lang="en-US"/>
           </a:p>
@@ -749,7 +749,7 @@
           <a:p>
             <a:fld id="{9975B3AD-33F2-CB4B-8F9F-CDF79863E388}" type="datetimeFigureOut">
               <a:rPr lang="en-US" smtClean="0"/>
-              <a:t>10/26/19</a:t>
+              <a:t>11/5/19</a:t>
             </a:fld>
             <a:endParaRPr lang="en-US"/>
           </a:p>
@@ -947,7 +947,7 @@
           <a:p>
             <a:fld id="{9975B3AD-33F2-CB4B-8F9F-CDF79863E388}" type="datetimeFigureOut">
               <a:rPr lang="en-US" smtClean="0"/>
-              <a:t>10/26/19</a:t>
+              <a:t>11/5/19</a:t>
             </a:fld>
             <a:endParaRPr lang="en-US"/>
           </a:p>
@@ -1155,7 +1155,7 @@
           <a:p>
             <a:fld id="{9975B3AD-33F2-CB4B-8F9F-CDF79863E388}" type="datetimeFigureOut">
               <a:rPr lang="en-US" smtClean="0"/>
-              <a:t>10/26/19</a:t>
+              <a:t>11/5/19</a:t>
             </a:fld>
             <a:endParaRPr lang="en-US"/>
           </a:p>
@@ -1353,7 +1353,7 @@
           <a:p>
             <a:fld id="{9975B3AD-33F2-CB4B-8F9F-CDF79863E388}" type="datetimeFigureOut">
               <a:rPr lang="en-US" smtClean="0"/>
-              <a:t>10/26/19</a:t>
+              <a:t>11/5/19</a:t>
             </a:fld>
             <a:endParaRPr lang="en-US"/>
           </a:p>
@@ -1628,7 +1628,7 @@
           <a:p>
             <a:fld id="{9975B3AD-33F2-CB4B-8F9F-CDF79863E388}" type="datetimeFigureOut">
               <a:rPr lang="en-US" smtClean="0"/>
-              <a:t>10/26/19</a:t>
+              <a:t>11/5/19</a:t>
             </a:fld>
             <a:endParaRPr lang="en-US"/>
           </a:p>
@@ -1893,7 +1893,7 @@
           <a:p>
             <a:fld id="{9975B3AD-33F2-CB4B-8F9F-CDF79863E388}" type="datetimeFigureOut">
               <a:rPr lang="en-US" smtClean="0"/>
-              <a:t>10/26/19</a:t>
+              <a:t>11/5/19</a:t>
             </a:fld>
             <a:endParaRPr lang="en-US"/>
           </a:p>
@@ -2305,7 +2305,7 @@
           <a:p>
             <a:fld id="{9975B3AD-33F2-CB4B-8F9F-CDF79863E388}" type="datetimeFigureOut">
               <a:rPr lang="en-US" smtClean="0"/>
-              <a:t>10/26/19</a:t>
+              <a:t>11/5/19</a:t>
             </a:fld>
             <a:endParaRPr lang="en-US"/>
           </a:p>
@@ -2446,7 +2446,7 @@
           <a:p>
             <a:fld id="{9975B3AD-33F2-CB4B-8F9F-CDF79863E388}" type="datetimeFigureOut">
               <a:rPr lang="en-US" smtClean="0"/>
-              <a:t>10/26/19</a:t>
+              <a:t>11/5/19</a:t>
             </a:fld>
             <a:endParaRPr lang="en-US"/>
           </a:p>
@@ -2559,7 +2559,7 @@
           <a:p>
             <a:fld id="{9975B3AD-33F2-CB4B-8F9F-CDF79863E388}" type="datetimeFigureOut">
               <a:rPr lang="en-US" smtClean="0"/>
-              <a:t>10/26/19</a:t>
+              <a:t>11/5/19</a:t>
             </a:fld>
             <a:endParaRPr lang="en-US"/>
           </a:p>
@@ -2870,7 +2870,7 @@
           <a:p>
             <a:fld id="{9975B3AD-33F2-CB4B-8F9F-CDF79863E388}" type="datetimeFigureOut">
               <a:rPr lang="en-US" smtClean="0"/>
-              <a:t>10/26/19</a:t>
+              <a:t>11/5/19</a:t>
             </a:fld>
             <a:endParaRPr lang="en-US"/>
           </a:p>
@@ -3158,7 +3158,7 @@
           <a:p>
             <a:fld id="{9975B3AD-33F2-CB4B-8F9F-CDF79863E388}" type="datetimeFigureOut">
               <a:rPr lang="en-US" smtClean="0"/>
-              <a:t>10/26/19</a:t>
+              <a:t>11/5/19</a:t>
             </a:fld>
             <a:endParaRPr lang="en-US"/>
           </a:p>
@@ -3399,7 +3399,7 @@
           <a:p>
             <a:fld id="{9975B3AD-33F2-CB4B-8F9F-CDF79863E388}" type="datetimeFigureOut">
               <a:rPr lang="en-US" smtClean="0"/>
-              <a:t>10/26/19</a:t>
+              <a:t>11/5/19</a:t>
             </a:fld>
             <a:endParaRPr lang="en-US"/>
           </a:p>
@@ -4044,7 +4044,7 @@
           <a:p>
             <a:r>
               <a:rPr lang="en-US" dirty="0"/>
-              <a:t>Mode is / are: 0.0</a:t>
+              <a:t>Mode is / are: 0.0 (all values are unique)</a:t>
             </a:r>
           </a:p>
           <a:p>
@@ -4333,8 +4333,11 @@
           <a:p>
             <a:r>
               <a:rPr lang="en-US" dirty="0"/>
-              <a:t>No mode found</a:t>
-            </a:r>
+              <a:t>No mode found (all values are unique)</a:t>
+            </a:r>
+          </a:p>
+          <a:p>
+            <a:endParaRPr lang="en-US" dirty="0"/>
           </a:p>
         </p:txBody>
       </p:sp>
@@ -4510,8 +4513,11 @@
           <a:p>
             <a:r>
               <a:rPr lang="en-US" dirty="0"/>
-              <a:t>No mode found</a:t>
-            </a:r>
+              <a:t>No mode found (all values are unique)</a:t>
+            </a:r>
+          </a:p>
+          <a:p>
+            <a:endParaRPr lang="en-US" dirty="0"/>
           </a:p>
           <a:p>
             <a:endParaRPr lang="en-US" dirty="0"/>
@@ -4796,8 +4802,11 @@
           <a:p>
             <a:r>
               <a:rPr lang="en-US" dirty="0"/>
-              <a:t>No mode found</a:t>
-            </a:r>
+              <a:t>No mode found (all values are unique)</a:t>
+            </a:r>
+          </a:p>
+          <a:p>
+            <a:endParaRPr lang="en-US" dirty="0"/>
           </a:p>
         </p:txBody>
       </p:sp>
@@ -5140,8 +5149,11 @@
           <a:p>
             <a:r>
               <a:rPr lang="en-US" dirty="0"/>
-              <a:t>No mode found</a:t>
-            </a:r>
+              <a:t>No mode found (all values are unique)</a:t>
+            </a:r>
+          </a:p>
+          <a:p>
+            <a:endParaRPr lang="en-US" dirty="0"/>
           </a:p>
           <a:p>
             <a:endParaRPr lang="en-US" dirty="0"/>
@@ -5426,8 +5438,11 @@
           <a:p>
             <a:r>
               <a:rPr lang="en-US" dirty="0"/>
-              <a:t>Mode is / are: 0.0</a:t>
-            </a:r>
+              <a:t>Mode is / are: 0.0 (all values are unique)</a:t>
+            </a:r>
+          </a:p>
+          <a:p>
+            <a:endParaRPr lang="en-US" dirty="0"/>
           </a:p>
         </p:txBody>
       </p:sp>
